--- a/plots/Fig6 applicability.pptx
+++ b/plots/Fig6 applicability.pptx
@@ -197,7 +197,7 @@
           <a:p>
             <a:fld id="{4F97FC17-05F1-5941-99BF-2CFB8DD61DE7}" type="datetimeFigureOut">
               <a:rPr lang="en-US" smtClean="0"/>
-              <a:t>4/12/24</a:t>
+              <a:t>6/26/24</a:t>
             </a:fld>
             <a:endParaRPr lang="en-US"/>
           </a:p>
@@ -685,7 +685,7 @@
           <a:p>
             <a:fld id="{CE5BC49A-E8DF-6544-B7B9-136C9E9A9884}" type="datetimeFigureOut">
               <a:rPr lang="en-US" smtClean="0"/>
-              <a:t>4/12/24</a:t>
+              <a:t>6/26/24</a:t>
             </a:fld>
             <a:endParaRPr lang="en-US"/>
           </a:p>
@@ -855,7 +855,7 @@
           <a:p>
             <a:fld id="{CE5BC49A-E8DF-6544-B7B9-136C9E9A9884}" type="datetimeFigureOut">
               <a:rPr lang="en-US" smtClean="0"/>
-              <a:t>4/12/24</a:t>
+              <a:t>6/26/24</a:t>
             </a:fld>
             <a:endParaRPr lang="en-US"/>
           </a:p>
@@ -1035,7 +1035,7 @@
           <a:p>
             <a:fld id="{CE5BC49A-E8DF-6544-B7B9-136C9E9A9884}" type="datetimeFigureOut">
               <a:rPr lang="en-US" smtClean="0"/>
-              <a:t>4/12/24</a:t>
+              <a:t>6/26/24</a:t>
             </a:fld>
             <a:endParaRPr lang="en-US"/>
           </a:p>
@@ -1205,7 +1205,7 @@
           <a:p>
             <a:fld id="{CE5BC49A-E8DF-6544-B7B9-136C9E9A9884}" type="datetimeFigureOut">
               <a:rPr lang="en-US" smtClean="0"/>
-              <a:t>4/12/24</a:t>
+              <a:t>6/26/24</a:t>
             </a:fld>
             <a:endParaRPr lang="en-US"/>
           </a:p>
@@ -1451,7 +1451,7 @@
           <a:p>
             <a:fld id="{CE5BC49A-E8DF-6544-B7B9-136C9E9A9884}" type="datetimeFigureOut">
               <a:rPr lang="en-US" smtClean="0"/>
-              <a:t>4/12/24</a:t>
+              <a:t>6/26/24</a:t>
             </a:fld>
             <a:endParaRPr lang="en-US"/>
           </a:p>
@@ -1683,7 +1683,7 @@
           <a:p>
             <a:fld id="{CE5BC49A-E8DF-6544-B7B9-136C9E9A9884}" type="datetimeFigureOut">
               <a:rPr lang="en-US" smtClean="0"/>
-              <a:t>4/12/24</a:t>
+              <a:t>6/26/24</a:t>
             </a:fld>
             <a:endParaRPr lang="en-US"/>
           </a:p>
@@ -2050,7 +2050,7 @@
           <a:p>
             <a:fld id="{CE5BC49A-E8DF-6544-B7B9-136C9E9A9884}" type="datetimeFigureOut">
               <a:rPr lang="en-US" smtClean="0"/>
-              <a:t>4/12/24</a:t>
+              <a:t>6/26/24</a:t>
             </a:fld>
             <a:endParaRPr lang="en-US"/>
           </a:p>
@@ -2168,7 +2168,7 @@
           <a:p>
             <a:fld id="{CE5BC49A-E8DF-6544-B7B9-136C9E9A9884}" type="datetimeFigureOut">
               <a:rPr lang="en-US" smtClean="0"/>
-              <a:t>4/12/24</a:t>
+              <a:t>6/26/24</a:t>
             </a:fld>
             <a:endParaRPr lang="en-US"/>
           </a:p>
@@ -2263,7 +2263,7 @@
           <a:p>
             <a:fld id="{CE5BC49A-E8DF-6544-B7B9-136C9E9A9884}" type="datetimeFigureOut">
               <a:rPr lang="en-US" smtClean="0"/>
-              <a:t>4/12/24</a:t>
+              <a:t>6/26/24</a:t>
             </a:fld>
             <a:endParaRPr lang="en-US"/>
           </a:p>
@@ -2540,7 +2540,7 @@
           <a:p>
             <a:fld id="{CE5BC49A-E8DF-6544-B7B9-136C9E9A9884}" type="datetimeFigureOut">
               <a:rPr lang="en-US" smtClean="0"/>
-              <a:t>4/12/24</a:t>
+              <a:t>6/26/24</a:t>
             </a:fld>
             <a:endParaRPr lang="en-US"/>
           </a:p>
@@ -2797,7 +2797,7 @@
           <a:p>
             <a:fld id="{CE5BC49A-E8DF-6544-B7B9-136C9E9A9884}" type="datetimeFigureOut">
               <a:rPr lang="en-US" smtClean="0"/>
-              <a:t>4/12/24</a:t>
+              <a:t>6/26/24</a:t>
             </a:fld>
             <a:endParaRPr lang="en-US"/>
           </a:p>
@@ -3010,7 +3010,7 @@
           <a:p>
             <a:fld id="{CE5BC49A-E8DF-6544-B7B9-136C9E9A9884}" type="datetimeFigureOut">
               <a:rPr lang="en-US" smtClean="0"/>
-              <a:t>4/12/24</a:t>
+              <a:t>6/26/24</a:t>
             </a:fld>
             <a:endParaRPr lang="en-US"/>
           </a:p>
@@ -4630,8 +4630,8 @@
           </p:txBody>
         </p:sp>
       </p:grpSp>
-      <mc:AlternateContent xmlns:mc="http://schemas.openxmlformats.org/markup-compatibility/2006">
-        <mc:Choice xmlns:a14="http://schemas.microsoft.com/office/drawing/2010/main" Requires="a14">
+      <mc:AlternateContent xmlns:mc="http://schemas.openxmlformats.org/markup-compatibility/2006" xmlns:a14="http://schemas.microsoft.com/office/drawing/2010/main">
+        <mc:Choice Requires="a14">
           <p:sp>
             <p:nvSpPr>
               <p:cNvPr id="41" name="TextBox 40">
@@ -4741,7 +4741,7 @@
             </p:txBody>
           </p:sp>
         </mc:Choice>
-        <mc:Fallback>
+        <mc:Fallback xmlns="">
           <p:sp>
             <p:nvSpPr>
               <p:cNvPr id="41" name="TextBox 40">
@@ -4861,9 +4861,9 @@
         <p:grpSpPr>
           <a:xfrm>
             <a:off x="4811458" y="260257"/>
-            <a:ext cx="3238460" cy="3676215"/>
+            <a:ext cx="3174340" cy="3676215"/>
             <a:chOff x="2380810" y="2604712"/>
-            <a:chExt cx="3238460" cy="3676215"/>
+            <a:chExt cx="3174340" cy="3676215"/>
           </a:xfrm>
         </p:grpSpPr>
         <p:sp>
@@ -5979,8 +5979,8 @@
           </p:nvSpPr>
           <p:spPr>
             <a:xfrm>
-              <a:off x="2743355" y="3460308"/>
-              <a:ext cx="2875915" cy="323165"/>
+              <a:off x="2807475" y="3460308"/>
+              <a:ext cx="2747675" cy="323165"/>
             </a:xfrm>
             <a:prstGeom prst="rect">
               <a:avLst/>
@@ -5998,7 +5998,7 @@
                 <a:rPr lang="en-US" sz="1500" b="1" dirty="0">
                   <a:latin typeface="Helvetica" pitchFamily="2" charset="0"/>
                 </a:rPr>
-                <a:t>F1 = True XOR/AND F2 = True</a:t>
+                <a:t>F1 = True OR/AND F2 = True</a:t>
               </a:r>
             </a:p>
           </p:txBody>
@@ -6160,8 +6160,8 @@
           </p:sp>
         </mc:Fallback>
       </mc:AlternateContent>
-      <mc:AlternateContent xmlns:mc="http://schemas.openxmlformats.org/markup-compatibility/2006">
-        <mc:Choice xmlns:a14="http://schemas.microsoft.com/office/drawing/2010/main" Requires="a14">
+      <mc:AlternateContent xmlns:mc="http://schemas.openxmlformats.org/markup-compatibility/2006" xmlns:a14="http://schemas.microsoft.com/office/drawing/2010/main">
+        <mc:Choice Requires="a14">
           <p:sp>
             <p:nvSpPr>
               <p:cNvPr id="49" name="TextBox 48">
@@ -6271,7 +6271,7 @@
             </p:txBody>
           </p:sp>
         </mc:Choice>
-        <mc:Fallback>
+        <mc:Fallback xmlns="">
           <p:sp>
             <p:nvSpPr>
               <p:cNvPr id="49" name="TextBox 48">
